--- a/ppt 16-9/0338.慈悲救主.pptx
+++ b/ppt 16-9/0338.慈悲救主.pptx
@@ -5,7 +5,7 @@
     <p:sldMasterId id="2147483648" r:id="rId1"/>
   </p:sldMasterIdLst>
   <p:sldIdLst>
-    <p:sldId id="3235" r:id="rId2"/>
+    <p:sldId id="3237" r:id="rId2"/>
   </p:sldIdLst>
   <p:sldSz cx="12192000" cy="6858000"/>
   <p:notesSz cx="6858000" cy="9144000"/>
@@ -129,7 +129,7 @@
           <p:cNvPr id="2" name="标题 1">
             <a:extLst>
               <a:ext uri="{FF2B5EF4-FFF2-40B4-BE49-F238E27FC236}">
-                <a16:creationId xmlns:a16="http://schemas.microsoft.com/office/drawing/2014/main" id="{6DC7E942-C28F-4C95-06B6-00E833268313}"/>
+                <a16:creationId xmlns:a16="http://schemas.microsoft.com/office/drawing/2014/main" id="{90D14FC0-C5F0-F5F3-1E5D-9B8CD2678052}"/>
               </a:ext>
             </a:extLst>
           </p:cNvPr>
@@ -166,7 +166,7 @@
           <p:cNvPr id="3" name="副标题 2">
             <a:extLst>
               <a:ext uri="{FF2B5EF4-FFF2-40B4-BE49-F238E27FC236}">
-                <a16:creationId xmlns:a16="http://schemas.microsoft.com/office/drawing/2014/main" id="{5E1ABFE7-0CB3-25EA-E00C-32A587350B79}"/>
+                <a16:creationId xmlns:a16="http://schemas.microsoft.com/office/drawing/2014/main" id="{31EECDC9-CB5C-6A74-F1D0-2569F16111B5}"/>
               </a:ext>
             </a:extLst>
           </p:cNvPr>
@@ -236,7 +236,7 @@
           <p:cNvPr id="4" name="日期占位符 3">
             <a:extLst>
               <a:ext uri="{FF2B5EF4-FFF2-40B4-BE49-F238E27FC236}">
-                <a16:creationId xmlns:a16="http://schemas.microsoft.com/office/drawing/2014/main" id="{F24E09E4-A6CD-CB54-4231-B45AF0FCC1F0}"/>
+                <a16:creationId xmlns:a16="http://schemas.microsoft.com/office/drawing/2014/main" id="{60510D86-0F3C-A5C8-E29C-88F894FC1A84}"/>
               </a:ext>
             </a:extLst>
           </p:cNvPr>
@@ -252,7 +252,7 @@
           <a:bodyPr/>
           <a:lstStyle/>
           <a:p>
-            <a:fld id="{DBED00F5-31C6-417A-A92E-043F2F961EAA}" type="datetimeFigureOut">
+            <a:fld id="{25D538CD-D7D7-4D8B-847A-4CDEB6B88141}" type="datetimeFigureOut">
               <a:rPr lang="zh-CN" altLang="en-US" smtClean="0"/>
               <a:t>2024/3/10</a:t>
             </a:fld>
@@ -265,7 +265,7 @@
           <p:cNvPr id="5" name="页脚占位符 4">
             <a:extLst>
               <a:ext uri="{FF2B5EF4-FFF2-40B4-BE49-F238E27FC236}">
-                <a16:creationId xmlns:a16="http://schemas.microsoft.com/office/drawing/2014/main" id="{87403461-E52B-1F61-0E48-4EBB879AD339}"/>
+                <a16:creationId xmlns:a16="http://schemas.microsoft.com/office/drawing/2014/main" id="{87B73AB1-724C-811B-383C-590C79C8389A}"/>
               </a:ext>
             </a:extLst>
           </p:cNvPr>
@@ -290,7 +290,7 @@
           <p:cNvPr id="6" name="灯片编号占位符 5">
             <a:extLst>
               <a:ext uri="{FF2B5EF4-FFF2-40B4-BE49-F238E27FC236}">
-                <a16:creationId xmlns:a16="http://schemas.microsoft.com/office/drawing/2014/main" id="{5B05BBEF-43D7-2D6B-6F02-B73D0AF9555F}"/>
+                <a16:creationId xmlns:a16="http://schemas.microsoft.com/office/drawing/2014/main" id="{EC565E1E-EE1F-A241-90D3-337597CD9A15}"/>
               </a:ext>
             </a:extLst>
           </p:cNvPr>
@@ -306,7 +306,7 @@
           <a:bodyPr/>
           <a:lstStyle/>
           <a:p>
-            <a:fld id="{4ABEA733-E24F-4A89-9CA5-7EF90EDA32DC}" type="slidenum">
+            <a:fld id="{E56E6B91-6F84-4148-B3DC-2FE850CC4CF0}" type="slidenum">
               <a:rPr lang="zh-CN" altLang="en-US" smtClean="0"/>
               <a:t>‹#›</a:t>
             </a:fld>
@@ -317,7 +317,7 @@
     </p:spTree>
     <p:extLst>
       <p:ext uri="{BB962C8B-B14F-4D97-AF65-F5344CB8AC3E}">
-        <p14:creationId xmlns:p14="http://schemas.microsoft.com/office/powerpoint/2010/main" val="4036519732"/>
+        <p14:creationId xmlns:p14="http://schemas.microsoft.com/office/powerpoint/2010/main" val="1002400769"/>
       </p:ext>
     </p:extLst>
   </p:cSld>
@@ -349,7 +349,7 @@
           <p:cNvPr id="2" name="标题 1">
             <a:extLst>
               <a:ext uri="{FF2B5EF4-FFF2-40B4-BE49-F238E27FC236}">
-                <a16:creationId xmlns:a16="http://schemas.microsoft.com/office/drawing/2014/main" id="{E78D9B15-2CCD-FBC3-91C7-219DF239E8B0}"/>
+                <a16:creationId xmlns:a16="http://schemas.microsoft.com/office/drawing/2014/main" id="{A1137967-8B75-E71C-B981-07112D382CA2}"/>
               </a:ext>
             </a:extLst>
           </p:cNvPr>
@@ -377,7 +377,7 @@
           <p:cNvPr id="3" name="竖排文字占位符 2">
             <a:extLst>
               <a:ext uri="{FF2B5EF4-FFF2-40B4-BE49-F238E27FC236}">
-                <a16:creationId xmlns:a16="http://schemas.microsoft.com/office/drawing/2014/main" id="{F04888BB-4CE1-1160-A457-3EA68E7C7F96}"/>
+                <a16:creationId xmlns:a16="http://schemas.microsoft.com/office/drawing/2014/main" id="{CD3AF095-D8CB-F62D-4C75-E6BBD91E4BAB}"/>
               </a:ext>
             </a:extLst>
           </p:cNvPr>
@@ -434,7 +434,7 @@
           <p:cNvPr id="4" name="日期占位符 3">
             <a:extLst>
               <a:ext uri="{FF2B5EF4-FFF2-40B4-BE49-F238E27FC236}">
-                <a16:creationId xmlns:a16="http://schemas.microsoft.com/office/drawing/2014/main" id="{AC243712-6F7C-F58F-5F7B-013F6A2A3F5B}"/>
+                <a16:creationId xmlns:a16="http://schemas.microsoft.com/office/drawing/2014/main" id="{CFFFB9AC-0292-826E-E15F-C8088928460A}"/>
               </a:ext>
             </a:extLst>
           </p:cNvPr>
@@ -450,7 +450,7 @@
           <a:bodyPr/>
           <a:lstStyle/>
           <a:p>
-            <a:fld id="{DBED00F5-31C6-417A-A92E-043F2F961EAA}" type="datetimeFigureOut">
+            <a:fld id="{25D538CD-D7D7-4D8B-847A-4CDEB6B88141}" type="datetimeFigureOut">
               <a:rPr lang="zh-CN" altLang="en-US" smtClean="0"/>
               <a:t>2024/3/10</a:t>
             </a:fld>
@@ -463,7 +463,7 @@
           <p:cNvPr id="5" name="页脚占位符 4">
             <a:extLst>
               <a:ext uri="{FF2B5EF4-FFF2-40B4-BE49-F238E27FC236}">
-                <a16:creationId xmlns:a16="http://schemas.microsoft.com/office/drawing/2014/main" id="{0E4BBD5D-5764-CC79-A510-BB0E1F9F05EF}"/>
+                <a16:creationId xmlns:a16="http://schemas.microsoft.com/office/drawing/2014/main" id="{4AD34D3D-13E2-5F28-871B-A4F11E8AAB5F}"/>
               </a:ext>
             </a:extLst>
           </p:cNvPr>
@@ -488,7 +488,7 @@
           <p:cNvPr id="6" name="灯片编号占位符 5">
             <a:extLst>
               <a:ext uri="{FF2B5EF4-FFF2-40B4-BE49-F238E27FC236}">
-                <a16:creationId xmlns:a16="http://schemas.microsoft.com/office/drawing/2014/main" id="{97479FF6-4333-2E3E-F06D-8A91DDF4264C}"/>
+                <a16:creationId xmlns:a16="http://schemas.microsoft.com/office/drawing/2014/main" id="{70C215FE-F000-2BE6-8267-76BAB791DA78}"/>
               </a:ext>
             </a:extLst>
           </p:cNvPr>
@@ -504,7 +504,7 @@
           <a:bodyPr/>
           <a:lstStyle/>
           <a:p>
-            <a:fld id="{4ABEA733-E24F-4A89-9CA5-7EF90EDA32DC}" type="slidenum">
+            <a:fld id="{E56E6B91-6F84-4148-B3DC-2FE850CC4CF0}" type="slidenum">
               <a:rPr lang="zh-CN" altLang="en-US" smtClean="0"/>
               <a:t>‹#›</a:t>
             </a:fld>
@@ -515,7 +515,7 @@
     </p:spTree>
     <p:extLst>
       <p:ext uri="{BB962C8B-B14F-4D97-AF65-F5344CB8AC3E}">
-        <p14:creationId xmlns:p14="http://schemas.microsoft.com/office/powerpoint/2010/main" val="1027325745"/>
+        <p14:creationId xmlns:p14="http://schemas.microsoft.com/office/powerpoint/2010/main" val="2710264317"/>
       </p:ext>
     </p:extLst>
   </p:cSld>
@@ -547,7 +547,7 @@
           <p:cNvPr id="2" name="竖排标题 1">
             <a:extLst>
               <a:ext uri="{FF2B5EF4-FFF2-40B4-BE49-F238E27FC236}">
-                <a16:creationId xmlns:a16="http://schemas.microsoft.com/office/drawing/2014/main" id="{FFA4FA5B-27E5-1D0B-346D-294AC98763D0}"/>
+                <a16:creationId xmlns:a16="http://schemas.microsoft.com/office/drawing/2014/main" id="{F5AF55A9-7CF7-26DF-0365-79E6E97C2A80}"/>
               </a:ext>
             </a:extLst>
           </p:cNvPr>
@@ -580,7 +580,7 @@
           <p:cNvPr id="3" name="竖排文字占位符 2">
             <a:extLst>
               <a:ext uri="{FF2B5EF4-FFF2-40B4-BE49-F238E27FC236}">
-                <a16:creationId xmlns:a16="http://schemas.microsoft.com/office/drawing/2014/main" id="{0CF86C97-5EC4-EDD4-31C9-35FAA3841F30}"/>
+                <a16:creationId xmlns:a16="http://schemas.microsoft.com/office/drawing/2014/main" id="{EBDF6774-EA6B-ADF7-6731-61D5F8A69288}"/>
               </a:ext>
             </a:extLst>
           </p:cNvPr>
@@ -642,7 +642,7 @@
           <p:cNvPr id="4" name="日期占位符 3">
             <a:extLst>
               <a:ext uri="{FF2B5EF4-FFF2-40B4-BE49-F238E27FC236}">
-                <a16:creationId xmlns:a16="http://schemas.microsoft.com/office/drawing/2014/main" id="{67EB953D-F128-8308-40E1-90DCB54DAAEB}"/>
+                <a16:creationId xmlns:a16="http://schemas.microsoft.com/office/drawing/2014/main" id="{4A4B6E41-112B-4A2F-D822-3B88530A2CAD}"/>
               </a:ext>
             </a:extLst>
           </p:cNvPr>
@@ -658,7 +658,7 @@
           <a:bodyPr/>
           <a:lstStyle/>
           <a:p>
-            <a:fld id="{DBED00F5-31C6-417A-A92E-043F2F961EAA}" type="datetimeFigureOut">
+            <a:fld id="{25D538CD-D7D7-4D8B-847A-4CDEB6B88141}" type="datetimeFigureOut">
               <a:rPr lang="zh-CN" altLang="en-US" smtClean="0"/>
               <a:t>2024/3/10</a:t>
             </a:fld>
@@ -671,7 +671,7 @@
           <p:cNvPr id="5" name="页脚占位符 4">
             <a:extLst>
               <a:ext uri="{FF2B5EF4-FFF2-40B4-BE49-F238E27FC236}">
-                <a16:creationId xmlns:a16="http://schemas.microsoft.com/office/drawing/2014/main" id="{E632DC56-C951-B0FA-72B8-878227652393}"/>
+                <a16:creationId xmlns:a16="http://schemas.microsoft.com/office/drawing/2014/main" id="{00F3A0E7-E78B-9862-466B-F1CAA636BC0E}"/>
               </a:ext>
             </a:extLst>
           </p:cNvPr>
@@ -696,7 +696,7 @@
           <p:cNvPr id="6" name="灯片编号占位符 5">
             <a:extLst>
               <a:ext uri="{FF2B5EF4-FFF2-40B4-BE49-F238E27FC236}">
-                <a16:creationId xmlns:a16="http://schemas.microsoft.com/office/drawing/2014/main" id="{7BD098E3-0DF5-699C-CCD5-49A522C47EA2}"/>
+                <a16:creationId xmlns:a16="http://schemas.microsoft.com/office/drawing/2014/main" id="{59476B01-59E2-82EE-F9F1-70635E417DE7}"/>
               </a:ext>
             </a:extLst>
           </p:cNvPr>
@@ -712,7 +712,7 @@
           <a:bodyPr/>
           <a:lstStyle/>
           <a:p>
-            <a:fld id="{4ABEA733-E24F-4A89-9CA5-7EF90EDA32DC}" type="slidenum">
+            <a:fld id="{E56E6B91-6F84-4148-B3DC-2FE850CC4CF0}" type="slidenum">
               <a:rPr lang="zh-CN" altLang="en-US" smtClean="0"/>
               <a:t>‹#›</a:t>
             </a:fld>
@@ -723,7 +723,7 @@
     </p:spTree>
     <p:extLst>
       <p:ext uri="{BB962C8B-B14F-4D97-AF65-F5344CB8AC3E}">
-        <p14:creationId xmlns:p14="http://schemas.microsoft.com/office/powerpoint/2010/main" val="588396916"/>
+        <p14:creationId xmlns:p14="http://schemas.microsoft.com/office/powerpoint/2010/main" val="999839270"/>
       </p:ext>
     </p:extLst>
   </p:cSld>
@@ -755,7 +755,7 @@
           <p:cNvPr id="2" name="标题 1">
             <a:extLst>
               <a:ext uri="{FF2B5EF4-FFF2-40B4-BE49-F238E27FC236}">
-                <a16:creationId xmlns:a16="http://schemas.microsoft.com/office/drawing/2014/main" id="{77C9775C-7E69-9870-D829-790FA02D8129}"/>
+                <a16:creationId xmlns:a16="http://schemas.microsoft.com/office/drawing/2014/main" id="{265E05FD-3975-8227-C46A-AA411A904A97}"/>
               </a:ext>
             </a:extLst>
           </p:cNvPr>
@@ -783,7 +783,7 @@
           <p:cNvPr id="3" name="内容占位符 2">
             <a:extLst>
               <a:ext uri="{FF2B5EF4-FFF2-40B4-BE49-F238E27FC236}">
-                <a16:creationId xmlns:a16="http://schemas.microsoft.com/office/drawing/2014/main" id="{26392F34-C506-3623-9ADA-E2FA91420F04}"/>
+                <a16:creationId xmlns:a16="http://schemas.microsoft.com/office/drawing/2014/main" id="{C36D22E2-F403-8993-BBF0-95D2016A1BCA}"/>
               </a:ext>
             </a:extLst>
           </p:cNvPr>
@@ -840,7 +840,7 @@
           <p:cNvPr id="4" name="日期占位符 3">
             <a:extLst>
               <a:ext uri="{FF2B5EF4-FFF2-40B4-BE49-F238E27FC236}">
-                <a16:creationId xmlns:a16="http://schemas.microsoft.com/office/drawing/2014/main" id="{FC79296D-074A-9D62-0FEC-DE3BDE0102C9}"/>
+                <a16:creationId xmlns:a16="http://schemas.microsoft.com/office/drawing/2014/main" id="{427AF2CA-836A-0C7F-F878-6C60AD2EB31D}"/>
               </a:ext>
             </a:extLst>
           </p:cNvPr>
@@ -856,7 +856,7 @@
           <a:bodyPr/>
           <a:lstStyle/>
           <a:p>
-            <a:fld id="{DBED00F5-31C6-417A-A92E-043F2F961EAA}" type="datetimeFigureOut">
+            <a:fld id="{25D538CD-D7D7-4D8B-847A-4CDEB6B88141}" type="datetimeFigureOut">
               <a:rPr lang="zh-CN" altLang="en-US" smtClean="0"/>
               <a:t>2024/3/10</a:t>
             </a:fld>
@@ -869,7 +869,7 @@
           <p:cNvPr id="5" name="页脚占位符 4">
             <a:extLst>
               <a:ext uri="{FF2B5EF4-FFF2-40B4-BE49-F238E27FC236}">
-                <a16:creationId xmlns:a16="http://schemas.microsoft.com/office/drawing/2014/main" id="{7EA020B4-48D2-6AE8-44E4-E85738BDA6DF}"/>
+                <a16:creationId xmlns:a16="http://schemas.microsoft.com/office/drawing/2014/main" id="{E5D989C5-D13E-CAB8-98E2-C5534E856548}"/>
               </a:ext>
             </a:extLst>
           </p:cNvPr>
@@ -894,7 +894,7 @@
           <p:cNvPr id="6" name="灯片编号占位符 5">
             <a:extLst>
               <a:ext uri="{FF2B5EF4-FFF2-40B4-BE49-F238E27FC236}">
-                <a16:creationId xmlns:a16="http://schemas.microsoft.com/office/drawing/2014/main" id="{1DA9BA67-12D8-688D-3766-A0420FCF1F39}"/>
+                <a16:creationId xmlns:a16="http://schemas.microsoft.com/office/drawing/2014/main" id="{F951A3D0-E617-847A-3154-529671F0E063}"/>
               </a:ext>
             </a:extLst>
           </p:cNvPr>
@@ -910,7 +910,7 @@
           <a:bodyPr/>
           <a:lstStyle/>
           <a:p>
-            <a:fld id="{4ABEA733-E24F-4A89-9CA5-7EF90EDA32DC}" type="slidenum">
+            <a:fld id="{E56E6B91-6F84-4148-B3DC-2FE850CC4CF0}" type="slidenum">
               <a:rPr lang="zh-CN" altLang="en-US" smtClean="0"/>
               <a:t>‹#›</a:t>
             </a:fld>
@@ -921,7 +921,7 @@
     </p:spTree>
     <p:extLst>
       <p:ext uri="{BB962C8B-B14F-4D97-AF65-F5344CB8AC3E}">
-        <p14:creationId xmlns:p14="http://schemas.microsoft.com/office/powerpoint/2010/main" val="773960880"/>
+        <p14:creationId xmlns:p14="http://schemas.microsoft.com/office/powerpoint/2010/main" val="670794350"/>
       </p:ext>
     </p:extLst>
   </p:cSld>
@@ -953,7 +953,7 @@
           <p:cNvPr id="2" name="标题 1">
             <a:extLst>
               <a:ext uri="{FF2B5EF4-FFF2-40B4-BE49-F238E27FC236}">
-                <a16:creationId xmlns:a16="http://schemas.microsoft.com/office/drawing/2014/main" id="{06189A23-C9FE-379E-19B3-08834F66A2B2}"/>
+                <a16:creationId xmlns:a16="http://schemas.microsoft.com/office/drawing/2014/main" id="{4E46DFAA-7043-57FC-1B8E-5A80517FD708}"/>
               </a:ext>
             </a:extLst>
           </p:cNvPr>
@@ -990,7 +990,7 @@
           <p:cNvPr id="3" name="文本占位符 2">
             <a:extLst>
               <a:ext uri="{FF2B5EF4-FFF2-40B4-BE49-F238E27FC236}">
-                <a16:creationId xmlns:a16="http://schemas.microsoft.com/office/drawing/2014/main" id="{E1F56C57-B3A6-26D6-6C36-A686A1C6502A}"/>
+                <a16:creationId xmlns:a16="http://schemas.microsoft.com/office/drawing/2014/main" id="{60C45BC2-4941-F6B4-E868-B6F89619F9DA}"/>
               </a:ext>
             </a:extLst>
           </p:cNvPr>
@@ -1115,7 +1115,7 @@
           <p:cNvPr id="4" name="日期占位符 3">
             <a:extLst>
               <a:ext uri="{FF2B5EF4-FFF2-40B4-BE49-F238E27FC236}">
-                <a16:creationId xmlns:a16="http://schemas.microsoft.com/office/drawing/2014/main" id="{6C51A43A-6AF2-1EA1-EB40-E00D9EF579BB}"/>
+                <a16:creationId xmlns:a16="http://schemas.microsoft.com/office/drawing/2014/main" id="{3025EF28-B329-964C-6469-990CF736454C}"/>
               </a:ext>
             </a:extLst>
           </p:cNvPr>
@@ -1131,7 +1131,7 @@
           <a:bodyPr/>
           <a:lstStyle/>
           <a:p>
-            <a:fld id="{DBED00F5-31C6-417A-A92E-043F2F961EAA}" type="datetimeFigureOut">
+            <a:fld id="{25D538CD-D7D7-4D8B-847A-4CDEB6B88141}" type="datetimeFigureOut">
               <a:rPr lang="zh-CN" altLang="en-US" smtClean="0"/>
               <a:t>2024/3/10</a:t>
             </a:fld>
@@ -1144,7 +1144,7 @@
           <p:cNvPr id="5" name="页脚占位符 4">
             <a:extLst>
               <a:ext uri="{FF2B5EF4-FFF2-40B4-BE49-F238E27FC236}">
-                <a16:creationId xmlns:a16="http://schemas.microsoft.com/office/drawing/2014/main" id="{413C7BC1-E411-1E3C-090F-A6B367E5BFDE}"/>
+                <a16:creationId xmlns:a16="http://schemas.microsoft.com/office/drawing/2014/main" id="{4E751186-B153-CA8B-AB96-7720F742742D}"/>
               </a:ext>
             </a:extLst>
           </p:cNvPr>
@@ -1169,7 +1169,7 @@
           <p:cNvPr id="6" name="灯片编号占位符 5">
             <a:extLst>
               <a:ext uri="{FF2B5EF4-FFF2-40B4-BE49-F238E27FC236}">
-                <a16:creationId xmlns:a16="http://schemas.microsoft.com/office/drawing/2014/main" id="{1C7A14CE-6D44-E8A5-CE97-F42C7F557F80}"/>
+                <a16:creationId xmlns:a16="http://schemas.microsoft.com/office/drawing/2014/main" id="{55EB5934-0158-9FBD-7814-142603160669}"/>
               </a:ext>
             </a:extLst>
           </p:cNvPr>
@@ -1185,7 +1185,7 @@
           <a:bodyPr/>
           <a:lstStyle/>
           <a:p>
-            <a:fld id="{4ABEA733-E24F-4A89-9CA5-7EF90EDA32DC}" type="slidenum">
+            <a:fld id="{E56E6B91-6F84-4148-B3DC-2FE850CC4CF0}" type="slidenum">
               <a:rPr lang="zh-CN" altLang="en-US" smtClean="0"/>
               <a:t>‹#›</a:t>
             </a:fld>
@@ -1196,7 +1196,7 @@
     </p:spTree>
     <p:extLst>
       <p:ext uri="{BB962C8B-B14F-4D97-AF65-F5344CB8AC3E}">
-        <p14:creationId xmlns:p14="http://schemas.microsoft.com/office/powerpoint/2010/main" val="1965228736"/>
+        <p14:creationId xmlns:p14="http://schemas.microsoft.com/office/powerpoint/2010/main" val="4055025292"/>
       </p:ext>
     </p:extLst>
   </p:cSld>
@@ -1228,7 +1228,7 @@
           <p:cNvPr id="2" name="标题 1">
             <a:extLst>
               <a:ext uri="{FF2B5EF4-FFF2-40B4-BE49-F238E27FC236}">
-                <a16:creationId xmlns:a16="http://schemas.microsoft.com/office/drawing/2014/main" id="{7D2C2C05-D2B6-AD3C-6ABE-27F48845DD3C}"/>
+                <a16:creationId xmlns:a16="http://schemas.microsoft.com/office/drawing/2014/main" id="{8937C743-5C62-3C8D-A26A-B552C17194D0}"/>
               </a:ext>
             </a:extLst>
           </p:cNvPr>
@@ -1256,7 +1256,7 @@
           <p:cNvPr id="3" name="内容占位符 2">
             <a:extLst>
               <a:ext uri="{FF2B5EF4-FFF2-40B4-BE49-F238E27FC236}">
-                <a16:creationId xmlns:a16="http://schemas.microsoft.com/office/drawing/2014/main" id="{80D38DEB-727E-C2E2-403E-78D3A22F22EC}"/>
+                <a16:creationId xmlns:a16="http://schemas.microsoft.com/office/drawing/2014/main" id="{BD709C1A-B64B-58E6-C446-D6AD5DF45FB3}"/>
               </a:ext>
             </a:extLst>
           </p:cNvPr>
@@ -1318,7 +1318,7 @@
           <p:cNvPr id="4" name="内容占位符 3">
             <a:extLst>
               <a:ext uri="{FF2B5EF4-FFF2-40B4-BE49-F238E27FC236}">
-                <a16:creationId xmlns:a16="http://schemas.microsoft.com/office/drawing/2014/main" id="{6B3CC864-D77B-6FC2-61A1-6F3ABA173B63}"/>
+                <a16:creationId xmlns:a16="http://schemas.microsoft.com/office/drawing/2014/main" id="{FEAD1FBA-82A3-BD8F-9905-562904D76574}"/>
               </a:ext>
             </a:extLst>
           </p:cNvPr>
@@ -1380,7 +1380,7 @@
           <p:cNvPr id="5" name="日期占位符 4">
             <a:extLst>
               <a:ext uri="{FF2B5EF4-FFF2-40B4-BE49-F238E27FC236}">
-                <a16:creationId xmlns:a16="http://schemas.microsoft.com/office/drawing/2014/main" id="{96BB16D2-54F9-3AA7-BABF-CB43B829B6C2}"/>
+                <a16:creationId xmlns:a16="http://schemas.microsoft.com/office/drawing/2014/main" id="{1CBD8CE2-6F9C-D205-D5F3-6249DDADD859}"/>
               </a:ext>
             </a:extLst>
           </p:cNvPr>
@@ -1396,7 +1396,7 @@
           <a:bodyPr/>
           <a:lstStyle/>
           <a:p>
-            <a:fld id="{DBED00F5-31C6-417A-A92E-043F2F961EAA}" type="datetimeFigureOut">
+            <a:fld id="{25D538CD-D7D7-4D8B-847A-4CDEB6B88141}" type="datetimeFigureOut">
               <a:rPr lang="zh-CN" altLang="en-US" smtClean="0"/>
               <a:t>2024/3/10</a:t>
             </a:fld>
@@ -1409,7 +1409,7 @@
           <p:cNvPr id="6" name="页脚占位符 5">
             <a:extLst>
               <a:ext uri="{FF2B5EF4-FFF2-40B4-BE49-F238E27FC236}">
-                <a16:creationId xmlns:a16="http://schemas.microsoft.com/office/drawing/2014/main" id="{E5306E4A-3FAE-78EC-4ECB-B86D363316F6}"/>
+                <a16:creationId xmlns:a16="http://schemas.microsoft.com/office/drawing/2014/main" id="{CD8D1E51-B52D-8ED8-2F0C-F20B322A3136}"/>
               </a:ext>
             </a:extLst>
           </p:cNvPr>
@@ -1434,7 +1434,7 @@
           <p:cNvPr id="7" name="灯片编号占位符 6">
             <a:extLst>
               <a:ext uri="{FF2B5EF4-FFF2-40B4-BE49-F238E27FC236}">
-                <a16:creationId xmlns:a16="http://schemas.microsoft.com/office/drawing/2014/main" id="{8AEE3282-24E9-93E4-1DE5-480BC4B037ED}"/>
+                <a16:creationId xmlns:a16="http://schemas.microsoft.com/office/drawing/2014/main" id="{E294A4C1-1B35-FA35-7E30-E31FF3B4B7DC}"/>
               </a:ext>
             </a:extLst>
           </p:cNvPr>
@@ -1450,7 +1450,7 @@
           <a:bodyPr/>
           <a:lstStyle/>
           <a:p>
-            <a:fld id="{4ABEA733-E24F-4A89-9CA5-7EF90EDA32DC}" type="slidenum">
+            <a:fld id="{E56E6B91-6F84-4148-B3DC-2FE850CC4CF0}" type="slidenum">
               <a:rPr lang="zh-CN" altLang="en-US" smtClean="0"/>
               <a:t>‹#›</a:t>
             </a:fld>
@@ -1461,7 +1461,7 @@
     </p:spTree>
     <p:extLst>
       <p:ext uri="{BB962C8B-B14F-4D97-AF65-F5344CB8AC3E}">
-        <p14:creationId xmlns:p14="http://schemas.microsoft.com/office/powerpoint/2010/main" val="3972130195"/>
+        <p14:creationId xmlns:p14="http://schemas.microsoft.com/office/powerpoint/2010/main" val="1038908201"/>
       </p:ext>
     </p:extLst>
   </p:cSld>
@@ -1493,7 +1493,7 @@
           <p:cNvPr id="2" name="标题 1">
             <a:extLst>
               <a:ext uri="{FF2B5EF4-FFF2-40B4-BE49-F238E27FC236}">
-                <a16:creationId xmlns:a16="http://schemas.microsoft.com/office/drawing/2014/main" id="{1CF83CB8-56BE-DF55-620B-3D4C5ABBE870}"/>
+                <a16:creationId xmlns:a16="http://schemas.microsoft.com/office/drawing/2014/main" id="{169999C2-F654-4550-348B-EF2881D55BEB}"/>
               </a:ext>
             </a:extLst>
           </p:cNvPr>
@@ -1526,7 +1526,7 @@
           <p:cNvPr id="3" name="文本占位符 2">
             <a:extLst>
               <a:ext uri="{FF2B5EF4-FFF2-40B4-BE49-F238E27FC236}">
-                <a16:creationId xmlns:a16="http://schemas.microsoft.com/office/drawing/2014/main" id="{18EA1729-BAE6-13BA-3995-A11014BD11D8}"/>
+                <a16:creationId xmlns:a16="http://schemas.microsoft.com/office/drawing/2014/main" id="{1DCF58AF-E025-91F5-A36C-22E2E80BBD03}"/>
               </a:ext>
             </a:extLst>
           </p:cNvPr>
@@ -1597,7 +1597,7 @@
           <p:cNvPr id="4" name="内容占位符 3">
             <a:extLst>
               <a:ext uri="{FF2B5EF4-FFF2-40B4-BE49-F238E27FC236}">
-                <a16:creationId xmlns:a16="http://schemas.microsoft.com/office/drawing/2014/main" id="{AF2ABDF9-05A9-E8FD-A6D4-43B95A759D3F}"/>
+                <a16:creationId xmlns:a16="http://schemas.microsoft.com/office/drawing/2014/main" id="{B515F01F-C851-A70B-6D0E-00147CB4E3F3}"/>
               </a:ext>
             </a:extLst>
           </p:cNvPr>
@@ -1659,7 +1659,7 @@
           <p:cNvPr id="5" name="文本占位符 4">
             <a:extLst>
               <a:ext uri="{FF2B5EF4-FFF2-40B4-BE49-F238E27FC236}">
-                <a16:creationId xmlns:a16="http://schemas.microsoft.com/office/drawing/2014/main" id="{9B33D785-589C-87EC-7801-F1A512055604}"/>
+                <a16:creationId xmlns:a16="http://schemas.microsoft.com/office/drawing/2014/main" id="{FDB610BC-69B7-8A25-D880-7F54F74CF7FE}"/>
               </a:ext>
             </a:extLst>
           </p:cNvPr>
@@ -1730,7 +1730,7 @@
           <p:cNvPr id="6" name="内容占位符 5">
             <a:extLst>
               <a:ext uri="{FF2B5EF4-FFF2-40B4-BE49-F238E27FC236}">
-                <a16:creationId xmlns:a16="http://schemas.microsoft.com/office/drawing/2014/main" id="{D4A2C39C-081D-1604-D39F-95D8B24BB77C}"/>
+                <a16:creationId xmlns:a16="http://schemas.microsoft.com/office/drawing/2014/main" id="{9ACD7586-BFEE-12ED-39BD-B548AE90E5D5}"/>
               </a:ext>
             </a:extLst>
           </p:cNvPr>
@@ -1792,7 +1792,7 @@
           <p:cNvPr id="7" name="日期占位符 6">
             <a:extLst>
               <a:ext uri="{FF2B5EF4-FFF2-40B4-BE49-F238E27FC236}">
-                <a16:creationId xmlns:a16="http://schemas.microsoft.com/office/drawing/2014/main" id="{2262F789-4706-462E-6DE8-A0FCD8F401FA}"/>
+                <a16:creationId xmlns:a16="http://schemas.microsoft.com/office/drawing/2014/main" id="{FFB9ABE0-7DD7-BC91-C1C4-38521D5A40FC}"/>
               </a:ext>
             </a:extLst>
           </p:cNvPr>
@@ -1808,7 +1808,7 @@
           <a:bodyPr/>
           <a:lstStyle/>
           <a:p>
-            <a:fld id="{DBED00F5-31C6-417A-A92E-043F2F961EAA}" type="datetimeFigureOut">
+            <a:fld id="{25D538CD-D7D7-4D8B-847A-4CDEB6B88141}" type="datetimeFigureOut">
               <a:rPr lang="zh-CN" altLang="en-US" smtClean="0"/>
               <a:t>2024/3/10</a:t>
             </a:fld>
@@ -1821,7 +1821,7 @@
           <p:cNvPr id="8" name="页脚占位符 7">
             <a:extLst>
               <a:ext uri="{FF2B5EF4-FFF2-40B4-BE49-F238E27FC236}">
-                <a16:creationId xmlns:a16="http://schemas.microsoft.com/office/drawing/2014/main" id="{17698719-096D-144F-DC87-5EA761CC2EF4}"/>
+                <a16:creationId xmlns:a16="http://schemas.microsoft.com/office/drawing/2014/main" id="{7477C2FD-2BFF-6948-B37F-C136335C70DE}"/>
               </a:ext>
             </a:extLst>
           </p:cNvPr>
@@ -1846,7 +1846,7 @@
           <p:cNvPr id="9" name="灯片编号占位符 8">
             <a:extLst>
               <a:ext uri="{FF2B5EF4-FFF2-40B4-BE49-F238E27FC236}">
-                <a16:creationId xmlns:a16="http://schemas.microsoft.com/office/drawing/2014/main" id="{FEC4F9E5-237C-CF35-55F3-90950F05BC68}"/>
+                <a16:creationId xmlns:a16="http://schemas.microsoft.com/office/drawing/2014/main" id="{3048CECC-973C-77A9-9D98-E249432A6F8C}"/>
               </a:ext>
             </a:extLst>
           </p:cNvPr>
@@ -1862,7 +1862,7 @@
           <a:bodyPr/>
           <a:lstStyle/>
           <a:p>
-            <a:fld id="{4ABEA733-E24F-4A89-9CA5-7EF90EDA32DC}" type="slidenum">
+            <a:fld id="{E56E6B91-6F84-4148-B3DC-2FE850CC4CF0}" type="slidenum">
               <a:rPr lang="zh-CN" altLang="en-US" smtClean="0"/>
               <a:t>‹#›</a:t>
             </a:fld>
@@ -1873,7 +1873,7 @@
     </p:spTree>
     <p:extLst>
       <p:ext uri="{BB962C8B-B14F-4D97-AF65-F5344CB8AC3E}">
-        <p14:creationId xmlns:p14="http://schemas.microsoft.com/office/powerpoint/2010/main" val="1862340591"/>
+        <p14:creationId xmlns:p14="http://schemas.microsoft.com/office/powerpoint/2010/main" val="3781890301"/>
       </p:ext>
     </p:extLst>
   </p:cSld>
@@ -1905,7 +1905,7 @@
           <p:cNvPr id="2" name="标题 1">
             <a:extLst>
               <a:ext uri="{FF2B5EF4-FFF2-40B4-BE49-F238E27FC236}">
-                <a16:creationId xmlns:a16="http://schemas.microsoft.com/office/drawing/2014/main" id="{C2715A0A-94DC-280D-7A83-8B6FA547C21E}"/>
+                <a16:creationId xmlns:a16="http://schemas.microsoft.com/office/drawing/2014/main" id="{A8FB5B11-02EE-5CFD-42AF-9CD955B23BAE}"/>
               </a:ext>
             </a:extLst>
           </p:cNvPr>
@@ -1933,7 +1933,7 @@
           <p:cNvPr id="3" name="日期占位符 2">
             <a:extLst>
               <a:ext uri="{FF2B5EF4-FFF2-40B4-BE49-F238E27FC236}">
-                <a16:creationId xmlns:a16="http://schemas.microsoft.com/office/drawing/2014/main" id="{5E70465C-A227-9C99-F59B-FB7AAC3C9FA2}"/>
+                <a16:creationId xmlns:a16="http://schemas.microsoft.com/office/drawing/2014/main" id="{AF0DF40D-8FA2-F3B2-DFF2-60A398CACCEC}"/>
               </a:ext>
             </a:extLst>
           </p:cNvPr>
@@ -1949,7 +1949,7 @@
           <a:bodyPr/>
           <a:lstStyle/>
           <a:p>
-            <a:fld id="{DBED00F5-31C6-417A-A92E-043F2F961EAA}" type="datetimeFigureOut">
+            <a:fld id="{25D538CD-D7D7-4D8B-847A-4CDEB6B88141}" type="datetimeFigureOut">
               <a:rPr lang="zh-CN" altLang="en-US" smtClean="0"/>
               <a:t>2024/3/10</a:t>
             </a:fld>
@@ -1962,7 +1962,7 @@
           <p:cNvPr id="4" name="页脚占位符 3">
             <a:extLst>
               <a:ext uri="{FF2B5EF4-FFF2-40B4-BE49-F238E27FC236}">
-                <a16:creationId xmlns:a16="http://schemas.microsoft.com/office/drawing/2014/main" id="{A3B94CFA-516C-CEC4-74F4-AA47D1DE0AEB}"/>
+                <a16:creationId xmlns:a16="http://schemas.microsoft.com/office/drawing/2014/main" id="{0674E24D-6942-7A67-F416-E2571AC13596}"/>
               </a:ext>
             </a:extLst>
           </p:cNvPr>
@@ -1987,7 +1987,7 @@
           <p:cNvPr id="5" name="灯片编号占位符 4">
             <a:extLst>
               <a:ext uri="{FF2B5EF4-FFF2-40B4-BE49-F238E27FC236}">
-                <a16:creationId xmlns:a16="http://schemas.microsoft.com/office/drawing/2014/main" id="{7FB9D84C-2E7F-6A7D-221B-C86552B4D2E4}"/>
+                <a16:creationId xmlns:a16="http://schemas.microsoft.com/office/drawing/2014/main" id="{C96E0488-3E29-F404-8F1F-5D2A0C65C5F9}"/>
               </a:ext>
             </a:extLst>
           </p:cNvPr>
@@ -2003,7 +2003,7 @@
           <a:bodyPr/>
           <a:lstStyle/>
           <a:p>
-            <a:fld id="{4ABEA733-E24F-4A89-9CA5-7EF90EDA32DC}" type="slidenum">
+            <a:fld id="{E56E6B91-6F84-4148-B3DC-2FE850CC4CF0}" type="slidenum">
               <a:rPr lang="zh-CN" altLang="en-US" smtClean="0"/>
               <a:t>‹#›</a:t>
             </a:fld>
@@ -2014,7 +2014,7 @@
     </p:spTree>
     <p:extLst>
       <p:ext uri="{BB962C8B-B14F-4D97-AF65-F5344CB8AC3E}">
-        <p14:creationId xmlns:p14="http://schemas.microsoft.com/office/powerpoint/2010/main" val="1935419874"/>
+        <p14:creationId xmlns:p14="http://schemas.microsoft.com/office/powerpoint/2010/main" val="2538044081"/>
       </p:ext>
     </p:extLst>
   </p:cSld>
@@ -2046,7 +2046,7 @@
           <p:cNvPr id="2" name="日期占位符 1">
             <a:extLst>
               <a:ext uri="{FF2B5EF4-FFF2-40B4-BE49-F238E27FC236}">
-                <a16:creationId xmlns:a16="http://schemas.microsoft.com/office/drawing/2014/main" id="{41FC5F8B-5D45-FF96-ED45-45BE4419EB86}"/>
+                <a16:creationId xmlns:a16="http://schemas.microsoft.com/office/drawing/2014/main" id="{113ADEBC-ABCD-F345-0A21-1B5FAF1DC444}"/>
               </a:ext>
             </a:extLst>
           </p:cNvPr>
@@ -2062,7 +2062,7 @@
           <a:bodyPr/>
           <a:lstStyle/>
           <a:p>
-            <a:fld id="{DBED00F5-31C6-417A-A92E-043F2F961EAA}" type="datetimeFigureOut">
+            <a:fld id="{25D538CD-D7D7-4D8B-847A-4CDEB6B88141}" type="datetimeFigureOut">
               <a:rPr lang="zh-CN" altLang="en-US" smtClean="0"/>
               <a:t>2024/3/10</a:t>
             </a:fld>
@@ -2075,7 +2075,7 @@
           <p:cNvPr id="3" name="页脚占位符 2">
             <a:extLst>
               <a:ext uri="{FF2B5EF4-FFF2-40B4-BE49-F238E27FC236}">
-                <a16:creationId xmlns:a16="http://schemas.microsoft.com/office/drawing/2014/main" id="{B96D3F7A-AE0C-9B6B-29DC-B724758C176D}"/>
+                <a16:creationId xmlns:a16="http://schemas.microsoft.com/office/drawing/2014/main" id="{452CB870-3702-D149-32B8-CA3048CA995F}"/>
               </a:ext>
             </a:extLst>
           </p:cNvPr>
@@ -2100,7 +2100,7 @@
           <p:cNvPr id="4" name="灯片编号占位符 3">
             <a:extLst>
               <a:ext uri="{FF2B5EF4-FFF2-40B4-BE49-F238E27FC236}">
-                <a16:creationId xmlns:a16="http://schemas.microsoft.com/office/drawing/2014/main" id="{6627E83A-6C92-917D-6A64-6CEF59FB7EDE}"/>
+                <a16:creationId xmlns:a16="http://schemas.microsoft.com/office/drawing/2014/main" id="{97070316-13F2-66E2-9260-14A1C3544497}"/>
               </a:ext>
             </a:extLst>
           </p:cNvPr>
@@ -2116,7 +2116,7 @@
           <a:bodyPr/>
           <a:lstStyle/>
           <a:p>
-            <a:fld id="{4ABEA733-E24F-4A89-9CA5-7EF90EDA32DC}" type="slidenum">
+            <a:fld id="{E56E6B91-6F84-4148-B3DC-2FE850CC4CF0}" type="slidenum">
               <a:rPr lang="zh-CN" altLang="en-US" smtClean="0"/>
               <a:t>‹#›</a:t>
             </a:fld>
@@ -2127,7 +2127,7 @@
     </p:spTree>
     <p:extLst>
       <p:ext uri="{BB962C8B-B14F-4D97-AF65-F5344CB8AC3E}">
-        <p14:creationId xmlns:p14="http://schemas.microsoft.com/office/powerpoint/2010/main" val="1147367810"/>
+        <p14:creationId xmlns:p14="http://schemas.microsoft.com/office/powerpoint/2010/main" val="3967242551"/>
       </p:ext>
     </p:extLst>
   </p:cSld>
@@ -2159,7 +2159,7 @@
           <p:cNvPr id="2" name="标题 1">
             <a:extLst>
               <a:ext uri="{FF2B5EF4-FFF2-40B4-BE49-F238E27FC236}">
-                <a16:creationId xmlns:a16="http://schemas.microsoft.com/office/drawing/2014/main" id="{D4CECCF0-514D-A2E1-98BA-5479A15F8224}"/>
+                <a16:creationId xmlns:a16="http://schemas.microsoft.com/office/drawing/2014/main" id="{2A78409C-0BE7-1B45-93F9-FC08B84364AD}"/>
               </a:ext>
             </a:extLst>
           </p:cNvPr>
@@ -2196,7 +2196,7 @@
           <p:cNvPr id="3" name="内容占位符 2">
             <a:extLst>
               <a:ext uri="{FF2B5EF4-FFF2-40B4-BE49-F238E27FC236}">
-                <a16:creationId xmlns:a16="http://schemas.microsoft.com/office/drawing/2014/main" id="{1F91F7DA-687A-3AA6-3FF5-59726F9F85F6}"/>
+                <a16:creationId xmlns:a16="http://schemas.microsoft.com/office/drawing/2014/main" id="{B40AA803-7D0B-F5B3-FA62-73FF102611D8}"/>
               </a:ext>
             </a:extLst>
           </p:cNvPr>
@@ -2286,7 +2286,7 @@
           <p:cNvPr id="4" name="文本占位符 3">
             <a:extLst>
               <a:ext uri="{FF2B5EF4-FFF2-40B4-BE49-F238E27FC236}">
-                <a16:creationId xmlns:a16="http://schemas.microsoft.com/office/drawing/2014/main" id="{C2AE41D8-C18A-61B7-3EB7-B074565DFB95}"/>
+                <a16:creationId xmlns:a16="http://schemas.microsoft.com/office/drawing/2014/main" id="{AABF55B8-7829-C1A3-2792-3D5B0BEE3E70}"/>
               </a:ext>
             </a:extLst>
           </p:cNvPr>
@@ -2357,7 +2357,7 @@
           <p:cNvPr id="5" name="日期占位符 4">
             <a:extLst>
               <a:ext uri="{FF2B5EF4-FFF2-40B4-BE49-F238E27FC236}">
-                <a16:creationId xmlns:a16="http://schemas.microsoft.com/office/drawing/2014/main" id="{01DDAB4A-3005-841E-F229-6F4E8F2756EA}"/>
+                <a16:creationId xmlns:a16="http://schemas.microsoft.com/office/drawing/2014/main" id="{21F13813-D7C4-FF4A-9C82-EF151D458044}"/>
               </a:ext>
             </a:extLst>
           </p:cNvPr>
@@ -2373,7 +2373,7 @@
           <a:bodyPr/>
           <a:lstStyle/>
           <a:p>
-            <a:fld id="{DBED00F5-31C6-417A-A92E-043F2F961EAA}" type="datetimeFigureOut">
+            <a:fld id="{25D538CD-D7D7-4D8B-847A-4CDEB6B88141}" type="datetimeFigureOut">
               <a:rPr lang="zh-CN" altLang="en-US" smtClean="0"/>
               <a:t>2024/3/10</a:t>
             </a:fld>
@@ -2386,7 +2386,7 @@
           <p:cNvPr id="6" name="页脚占位符 5">
             <a:extLst>
               <a:ext uri="{FF2B5EF4-FFF2-40B4-BE49-F238E27FC236}">
-                <a16:creationId xmlns:a16="http://schemas.microsoft.com/office/drawing/2014/main" id="{9E0002B4-90D7-F9FE-9983-6535BB873F13}"/>
+                <a16:creationId xmlns:a16="http://schemas.microsoft.com/office/drawing/2014/main" id="{BD85E00D-BCD9-045C-304D-87BA64442A23}"/>
               </a:ext>
             </a:extLst>
           </p:cNvPr>
@@ -2411,7 +2411,7 @@
           <p:cNvPr id="7" name="灯片编号占位符 6">
             <a:extLst>
               <a:ext uri="{FF2B5EF4-FFF2-40B4-BE49-F238E27FC236}">
-                <a16:creationId xmlns:a16="http://schemas.microsoft.com/office/drawing/2014/main" id="{A73911D4-1D6E-22B7-2E39-943FC1187578}"/>
+                <a16:creationId xmlns:a16="http://schemas.microsoft.com/office/drawing/2014/main" id="{DF5CBD74-3039-DF98-5FDD-8563381C4716}"/>
               </a:ext>
             </a:extLst>
           </p:cNvPr>
@@ -2427,7 +2427,7 @@
           <a:bodyPr/>
           <a:lstStyle/>
           <a:p>
-            <a:fld id="{4ABEA733-E24F-4A89-9CA5-7EF90EDA32DC}" type="slidenum">
+            <a:fld id="{E56E6B91-6F84-4148-B3DC-2FE850CC4CF0}" type="slidenum">
               <a:rPr lang="zh-CN" altLang="en-US" smtClean="0"/>
               <a:t>‹#›</a:t>
             </a:fld>
@@ -2438,7 +2438,7 @@
     </p:spTree>
     <p:extLst>
       <p:ext uri="{BB962C8B-B14F-4D97-AF65-F5344CB8AC3E}">
-        <p14:creationId xmlns:p14="http://schemas.microsoft.com/office/powerpoint/2010/main" val="744708161"/>
+        <p14:creationId xmlns:p14="http://schemas.microsoft.com/office/powerpoint/2010/main" val="931044649"/>
       </p:ext>
     </p:extLst>
   </p:cSld>
@@ -2470,7 +2470,7 @@
           <p:cNvPr id="2" name="标题 1">
             <a:extLst>
               <a:ext uri="{FF2B5EF4-FFF2-40B4-BE49-F238E27FC236}">
-                <a16:creationId xmlns:a16="http://schemas.microsoft.com/office/drawing/2014/main" id="{56004D9C-BF49-1074-5E94-B8D1A1A99B1C}"/>
+                <a16:creationId xmlns:a16="http://schemas.microsoft.com/office/drawing/2014/main" id="{51439539-AE3F-562A-81F6-93E9497850BB}"/>
               </a:ext>
             </a:extLst>
           </p:cNvPr>
@@ -2507,7 +2507,7 @@
           <p:cNvPr id="3" name="图片占位符 2">
             <a:extLst>
               <a:ext uri="{FF2B5EF4-FFF2-40B4-BE49-F238E27FC236}">
-                <a16:creationId xmlns:a16="http://schemas.microsoft.com/office/drawing/2014/main" id="{B96E8B2A-78CC-B65A-370F-E1C727116F46}"/>
+                <a16:creationId xmlns:a16="http://schemas.microsoft.com/office/drawing/2014/main" id="{8E614381-A59A-4913-8264-D16E49407337}"/>
               </a:ext>
             </a:extLst>
           </p:cNvPr>
@@ -2574,7 +2574,7 @@
           <p:cNvPr id="4" name="文本占位符 3">
             <a:extLst>
               <a:ext uri="{FF2B5EF4-FFF2-40B4-BE49-F238E27FC236}">
-                <a16:creationId xmlns:a16="http://schemas.microsoft.com/office/drawing/2014/main" id="{A4F5F5FE-023A-AC10-ABF5-D88673D4D9B8}"/>
+                <a16:creationId xmlns:a16="http://schemas.microsoft.com/office/drawing/2014/main" id="{C804A9BA-E81C-B260-2D9D-53699BE19A78}"/>
               </a:ext>
             </a:extLst>
           </p:cNvPr>
@@ -2645,7 +2645,7 @@
           <p:cNvPr id="5" name="日期占位符 4">
             <a:extLst>
               <a:ext uri="{FF2B5EF4-FFF2-40B4-BE49-F238E27FC236}">
-                <a16:creationId xmlns:a16="http://schemas.microsoft.com/office/drawing/2014/main" id="{45E53F76-B02E-60CA-D985-7FB38BEE9228}"/>
+                <a16:creationId xmlns:a16="http://schemas.microsoft.com/office/drawing/2014/main" id="{E4872BF1-D77C-5247-82A1-685100D8CC08}"/>
               </a:ext>
             </a:extLst>
           </p:cNvPr>
@@ -2661,7 +2661,7 @@
           <a:bodyPr/>
           <a:lstStyle/>
           <a:p>
-            <a:fld id="{DBED00F5-31C6-417A-A92E-043F2F961EAA}" type="datetimeFigureOut">
+            <a:fld id="{25D538CD-D7D7-4D8B-847A-4CDEB6B88141}" type="datetimeFigureOut">
               <a:rPr lang="zh-CN" altLang="en-US" smtClean="0"/>
               <a:t>2024/3/10</a:t>
             </a:fld>
@@ -2674,7 +2674,7 @@
           <p:cNvPr id="6" name="页脚占位符 5">
             <a:extLst>
               <a:ext uri="{FF2B5EF4-FFF2-40B4-BE49-F238E27FC236}">
-                <a16:creationId xmlns:a16="http://schemas.microsoft.com/office/drawing/2014/main" id="{F65D3286-79F8-9B75-1088-C9811E5D8DF1}"/>
+                <a16:creationId xmlns:a16="http://schemas.microsoft.com/office/drawing/2014/main" id="{D2AED8F9-4DBD-CDAC-36C4-E239C33816BB}"/>
               </a:ext>
             </a:extLst>
           </p:cNvPr>
@@ -2699,7 +2699,7 @@
           <p:cNvPr id="7" name="灯片编号占位符 6">
             <a:extLst>
               <a:ext uri="{FF2B5EF4-FFF2-40B4-BE49-F238E27FC236}">
-                <a16:creationId xmlns:a16="http://schemas.microsoft.com/office/drawing/2014/main" id="{3B824E2A-1CE6-2D27-BE18-8E70623A1E30}"/>
+                <a16:creationId xmlns:a16="http://schemas.microsoft.com/office/drawing/2014/main" id="{A33F4C6B-7413-D862-1D8C-FDDD497C0033}"/>
               </a:ext>
             </a:extLst>
           </p:cNvPr>
@@ -2715,7 +2715,7 @@
           <a:bodyPr/>
           <a:lstStyle/>
           <a:p>
-            <a:fld id="{4ABEA733-E24F-4A89-9CA5-7EF90EDA32DC}" type="slidenum">
+            <a:fld id="{E56E6B91-6F84-4148-B3DC-2FE850CC4CF0}" type="slidenum">
               <a:rPr lang="zh-CN" altLang="en-US" smtClean="0"/>
               <a:t>‹#›</a:t>
             </a:fld>
@@ -2726,7 +2726,7 @@
     </p:spTree>
     <p:extLst>
       <p:ext uri="{BB962C8B-B14F-4D97-AF65-F5344CB8AC3E}">
-        <p14:creationId xmlns:p14="http://schemas.microsoft.com/office/powerpoint/2010/main" val="2773974961"/>
+        <p14:creationId xmlns:p14="http://schemas.microsoft.com/office/powerpoint/2010/main" val="2804283572"/>
       </p:ext>
     </p:extLst>
   </p:cSld>
@@ -2763,7 +2763,7 @@
           <p:cNvPr id="2" name="标题占位符 1">
             <a:extLst>
               <a:ext uri="{FF2B5EF4-FFF2-40B4-BE49-F238E27FC236}">
-                <a16:creationId xmlns:a16="http://schemas.microsoft.com/office/drawing/2014/main" id="{B73A4EC7-A9AC-7F49-7F7F-C89D880BD636}"/>
+                <a16:creationId xmlns:a16="http://schemas.microsoft.com/office/drawing/2014/main" id="{C5CC5C24-8FAE-0C45-9287-A727BA5131FB}"/>
               </a:ext>
             </a:extLst>
           </p:cNvPr>
@@ -2801,7 +2801,7 @@
           <p:cNvPr id="3" name="文本占位符 2">
             <a:extLst>
               <a:ext uri="{FF2B5EF4-FFF2-40B4-BE49-F238E27FC236}">
-                <a16:creationId xmlns:a16="http://schemas.microsoft.com/office/drawing/2014/main" id="{D3442AA1-DC83-7550-1936-401093660F42}"/>
+                <a16:creationId xmlns:a16="http://schemas.microsoft.com/office/drawing/2014/main" id="{E59EFF77-6FBF-880F-10D5-71A164D0D431}"/>
               </a:ext>
             </a:extLst>
           </p:cNvPr>
@@ -2868,7 +2868,7 @@
           <p:cNvPr id="4" name="日期占位符 3">
             <a:extLst>
               <a:ext uri="{FF2B5EF4-FFF2-40B4-BE49-F238E27FC236}">
-                <a16:creationId xmlns:a16="http://schemas.microsoft.com/office/drawing/2014/main" id="{B58C0DAC-DA6B-09CA-3F48-FA16B55BF2C7}"/>
+                <a16:creationId xmlns:a16="http://schemas.microsoft.com/office/drawing/2014/main" id="{929A0D99-7EEA-83D1-1BA9-E62DC1604F75}"/>
               </a:ext>
             </a:extLst>
           </p:cNvPr>
@@ -2902,7 +2902,7 @@
             </a:lvl1pPr>
           </a:lstStyle>
           <a:p>
-            <a:fld id="{DBED00F5-31C6-417A-A92E-043F2F961EAA}" type="datetimeFigureOut">
+            <a:fld id="{25D538CD-D7D7-4D8B-847A-4CDEB6B88141}" type="datetimeFigureOut">
               <a:rPr lang="zh-CN" altLang="en-US" smtClean="0"/>
               <a:t>2024/3/10</a:t>
             </a:fld>
@@ -2915,7 +2915,7 @@
           <p:cNvPr id="5" name="页脚占位符 4">
             <a:extLst>
               <a:ext uri="{FF2B5EF4-FFF2-40B4-BE49-F238E27FC236}">
-                <a16:creationId xmlns:a16="http://schemas.microsoft.com/office/drawing/2014/main" id="{513AFACE-724E-B878-B1C2-0A8AD9220CC1}"/>
+                <a16:creationId xmlns:a16="http://schemas.microsoft.com/office/drawing/2014/main" id="{8C2756BC-7458-F4F9-EF51-6704A01FCD03}"/>
               </a:ext>
             </a:extLst>
           </p:cNvPr>
@@ -2958,7 +2958,7 @@
           <p:cNvPr id="6" name="灯片编号占位符 5">
             <a:extLst>
               <a:ext uri="{FF2B5EF4-FFF2-40B4-BE49-F238E27FC236}">
-                <a16:creationId xmlns:a16="http://schemas.microsoft.com/office/drawing/2014/main" id="{6B4670F8-7654-E542-BD5C-40D88AD16708}"/>
+                <a16:creationId xmlns:a16="http://schemas.microsoft.com/office/drawing/2014/main" id="{FCF22DA2-3B08-B41B-F9B4-B617C0FC3CE5}"/>
               </a:ext>
             </a:extLst>
           </p:cNvPr>
@@ -2992,7 +2992,7 @@
             </a:lvl1pPr>
           </a:lstStyle>
           <a:p>
-            <a:fld id="{4ABEA733-E24F-4A89-9CA5-7EF90EDA32DC}" type="slidenum">
+            <a:fld id="{E56E6B91-6F84-4148-B3DC-2FE850CC4CF0}" type="slidenum">
               <a:rPr lang="zh-CN" altLang="en-US" smtClean="0"/>
               <a:t>‹#›</a:t>
             </a:fld>
@@ -3003,7 +3003,7 @@
     </p:spTree>
     <p:extLst>
       <p:ext uri="{BB962C8B-B14F-4D97-AF65-F5344CB8AC3E}">
-        <p14:creationId xmlns:p14="http://schemas.microsoft.com/office/powerpoint/2010/main" val="499065260"/>
+        <p14:creationId xmlns:p14="http://schemas.microsoft.com/office/powerpoint/2010/main" val="3030070959"/>
       </p:ext>
     </p:extLst>
   </p:cSld>
@@ -3323,7 +3323,7 @@
       </p:grpSpPr>
       <p:pic>
         <p:nvPicPr>
-          <p:cNvPr id="346114" name="Picture 2" descr="337"/>
+          <p:cNvPr id="347138" name="Picture 2" descr="338"/>
           <p:cNvPicPr>
             <a:picLocks noChangeAspect="1" noChangeArrowheads="1"/>
           </p:cNvPicPr>
